--- a/cuidado de niños.pptx
+++ b/cuidado de niños.pptx
@@ -118,6 +118,11 @@
       </a:defRPr>
     </a:lvl9pPr>
   </p:defaultTextStyle>
+  <p:extLst>
+    <p:ext uri="{EFAFB233-063F-42B5-8137-9DF3F51BA10A}">
+      <p15:sldGuideLst xmlns:p15="http://schemas.microsoft.com/office/powerpoint/2012/main"/>
+    </p:ext>
+  </p:extLst>
 </p:presentation>
 </file>
 
@@ -307,7 +312,7 @@
           <a:p>
             <a:fld id="{4AAD347D-5ACD-4C99-B74B-A9C85AD731AF}" type="datetimeFigureOut">
               <a:rPr lang="en-US" dirty="0"/>
-              <a:t>9/26/2020</a:t>
+              <a:t>9/27/2020</a:t>
             </a:fld>
             <a:endParaRPr lang="en-US" dirty="0"/>
           </a:p>
@@ -577,7 +582,7 @@
           <a:p>
             <a:fld id="{4509A250-FF31-4206-8172-F9D3106AACB1}" type="datetimeFigureOut">
               <a:rPr lang="en-US" dirty="0"/>
-              <a:t>9/26/2020</a:t>
+              <a:t>9/27/2020</a:t>
             </a:fld>
             <a:endParaRPr lang="en-US" dirty="0"/>
           </a:p>
@@ -766,7 +771,7 @@
           <a:p>
             <a:fld id="{4509A250-FF31-4206-8172-F9D3106AACB1}" type="datetimeFigureOut">
               <a:rPr lang="en-US" dirty="0"/>
-              <a:t>9/26/2020</a:t>
+              <a:t>9/27/2020</a:t>
             </a:fld>
             <a:endParaRPr lang="en-US" dirty="0"/>
           </a:p>
@@ -1034,7 +1039,7 @@
           <a:p>
             <a:fld id="{4509A250-FF31-4206-8172-F9D3106AACB1}" type="datetimeFigureOut">
               <a:rPr lang="en-US" dirty="0"/>
-              <a:t>9/26/2020</a:t>
+              <a:t>9/27/2020</a:t>
             </a:fld>
             <a:endParaRPr lang="en-US" dirty="0"/>
           </a:p>
@@ -1370,7 +1375,7 @@
           <a:p>
             <a:fld id="{4509A250-FF31-4206-8172-F9D3106AACB1}" type="datetimeFigureOut">
               <a:rPr lang="en-US" dirty="0"/>
-              <a:t>9/26/2020</a:t>
+              <a:t>9/27/2020</a:t>
             </a:fld>
             <a:endParaRPr lang="en-US" dirty="0"/>
           </a:p>
@@ -1988,7 +1993,7 @@
           <a:p>
             <a:fld id="{4509A250-FF31-4206-8172-F9D3106AACB1}" type="datetimeFigureOut">
               <a:rPr lang="en-US" dirty="0"/>
-              <a:t>9/26/2020</a:t>
+              <a:t>9/27/2020</a:t>
             </a:fld>
             <a:endParaRPr lang="en-US" dirty="0"/>
           </a:p>
@@ -2843,7 +2848,7 @@
           <a:p>
             <a:fld id="{4509A250-FF31-4206-8172-F9D3106AACB1}" type="datetimeFigureOut">
               <a:rPr lang="en-US" dirty="0"/>
-              <a:t>9/26/2020</a:t>
+              <a:t>9/27/2020</a:t>
             </a:fld>
             <a:endParaRPr lang="en-US" dirty="0"/>
           </a:p>
@@ -3008,7 +3013,7 @@
           <a:p>
             <a:fld id="{4509A250-FF31-4206-8172-F9D3106AACB1}" type="datetimeFigureOut">
               <a:rPr lang="en-US" dirty="0"/>
-              <a:t>9/26/2020</a:t>
+              <a:t>9/27/2020</a:t>
             </a:fld>
             <a:endParaRPr lang="en-US" dirty="0"/>
           </a:p>
@@ -3183,7 +3188,7 @@
           <a:p>
             <a:fld id="{4509A250-FF31-4206-8172-F9D3106AACB1}" type="datetimeFigureOut">
               <a:rPr lang="en-US" dirty="0"/>
-              <a:t>9/26/2020</a:t>
+              <a:t>9/27/2020</a:t>
             </a:fld>
             <a:endParaRPr lang="en-US" dirty="0"/>
           </a:p>
@@ -3348,7 +3353,7 @@
           <a:p>
             <a:fld id="{4509A250-FF31-4206-8172-F9D3106AACB1}" type="datetimeFigureOut">
               <a:rPr lang="en-US" dirty="0"/>
-              <a:t>9/26/2020</a:t>
+              <a:t>9/27/2020</a:t>
             </a:fld>
             <a:endParaRPr lang="en-US" dirty="0"/>
           </a:p>
@@ -3590,7 +3595,7 @@
           <a:p>
             <a:fld id="{9796027F-7875-4030-9381-8BD8C4F21935}" type="datetimeFigureOut">
               <a:rPr lang="en-US" dirty="0"/>
-              <a:t>9/26/2020</a:t>
+              <a:t>9/27/2020</a:t>
             </a:fld>
             <a:endParaRPr lang="en-US" dirty="0"/>
           </a:p>
@@ -3877,7 +3882,7 @@
           <a:p>
             <a:fld id="{9796027F-7875-4030-9381-8BD8C4F21935}" type="datetimeFigureOut">
               <a:rPr lang="en-US" dirty="0"/>
-              <a:t>9/26/2020</a:t>
+              <a:t>9/27/2020</a:t>
             </a:fld>
             <a:endParaRPr lang="en-US" dirty="0"/>
           </a:p>
@@ -4316,7 +4321,7 @@
           <a:p>
             <a:fld id="{9796027F-7875-4030-9381-8BD8C4F21935}" type="datetimeFigureOut">
               <a:rPr lang="en-US" dirty="0"/>
-              <a:t>9/26/2020</a:t>
+              <a:t>9/27/2020</a:t>
             </a:fld>
             <a:endParaRPr lang="en-US" dirty="0"/>
           </a:p>
@@ -4429,7 +4434,7 @@
           <a:p>
             <a:fld id="{4509A250-FF31-4206-8172-F9D3106AACB1}" type="datetimeFigureOut">
               <a:rPr lang="en-US" dirty="0"/>
-              <a:t>9/26/2020</a:t>
+              <a:t>9/27/2020</a:t>
             </a:fld>
             <a:endParaRPr lang="en-US" dirty="0"/>
           </a:p>
@@ -4519,7 +4524,7 @@
           <a:p>
             <a:fld id="{4509A250-FF31-4206-8172-F9D3106AACB1}" type="datetimeFigureOut">
               <a:rPr lang="en-US" dirty="0"/>
-              <a:t>9/26/2020</a:t>
+              <a:t>9/27/2020</a:t>
             </a:fld>
             <a:endParaRPr lang="en-US" dirty="0"/>
           </a:p>
@@ -4793,7 +4798,7 @@
           <a:p>
             <a:fld id="{4509A250-FF31-4206-8172-F9D3106AACB1}" type="datetimeFigureOut">
               <a:rPr lang="en-US" dirty="0"/>
-              <a:t>9/26/2020</a:t>
+              <a:t>9/27/2020</a:t>
             </a:fld>
             <a:endParaRPr lang="en-US" dirty="0"/>
           </a:p>
@@ -5063,7 +5068,7 @@
           <a:p>
             <a:fld id="{4509A250-FF31-4206-8172-F9D3106AACB1}" type="datetimeFigureOut">
               <a:rPr lang="en-US" dirty="0"/>
-              <a:t>9/26/2020</a:t>
+              <a:t>9/27/2020</a:t>
             </a:fld>
             <a:endParaRPr lang="en-US" dirty="0"/>
           </a:p>
@@ -5487,7 +5492,7 @@
           <a:p>
             <a:fld id="{4AAD347D-5ACD-4C99-B74B-A9C85AD731AF}" type="datetimeFigureOut">
               <a:rPr lang="en-US" dirty="0"/>
-              <a:t>9/26/2020</a:t>
+              <a:t>9/27/2020</a:t>
             </a:fld>
             <a:endParaRPr lang="en-US" dirty="0"/>
           </a:p>
@@ -6108,12 +6113,14 @@
         </p:nvSpPr>
         <p:spPr>
           <a:xfrm>
-            <a:off x="535577" y="4350657"/>
+            <a:off x="587829" y="4141651"/>
             <a:ext cx="10136777" cy="1736634"/>
           </a:xfrm>
         </p:spPr>
         <p:txBody>
-          <a:bodyPr/>
+          <a:bodyPr>
+            <a:normAutofit lnSpcReduction="10000"/>
+          </a:bodyPr>
           <a:lstStyle/>
           <a:p>
             <a:r>
@@ -6132,10 +6139,10 @@
           </a:p>
           <a:p>
             <a:r>
-              <a:rPr lang="es-MX" dirty="0" smtClean="0"/>
+              <a:rPr lang="es-MX" sz="2800" dirty="0" smtClean="0"/>
               <a:t>Nadia Guadalupe Kingzton Martin</a:t>
             </a:r>
-            <a:endParaRPr lang="es-MX" dirty="0"/>
+            <a:endParaRPr lang="es-MX" sz="2800" dirty="0"/>
           </a:p>
         </p:txBody>
       </p:sp>
@@ -6479,10 +6486,28 @@
         </p:nvSpPr>
         <p:spPr/>
         <p:txBody>
-          <a:bodyPr/>
+          <a:bodyPr>
+            <a:normAutofit/>
+          </a:bodyPr>
           <a:lstStyle/>
           <a:p>
-            <a:endParaRPr lang="es-MX"/>
+            <a:r>
+              <a:rPr lang="es-MX" sz="6000" dirty="0">
+                <a:hlinkClick r:id="rId2"/>
+              </a:rPr>
+              <a:t>https://</a:t>
+            </a:r>
+            <a:r>
+              <a:rPr lang="es-MX" sz="6000" dirty="0" smtClean="0">
+                <a:hlinkClick r:id="rId2"/>
+              </a:rPr>
+              <a:t>github.com/nadiaking/cuidado-ni/</a:t>
+            </a:r>
+            <a:r>
+              <a:rPr lang="es-MX" sz="6000" dirty="0" smtClean="0"/>
+              <a:t> </a:t>
+            </a:r>
+            <a:endParaRPr lang="es-MX" sz="6000" dirty="0"/>
           </a:p>
         </p:txBody>
       </p:sp>
@@ -7842,25 +7867,35 @@
           </a:p>
         </p:txBody>
       </p:sp>
-      <p:sp>
-        <p:nvSpPr>
-          <p:cNvPr id="3" name="Marcador de contenido 2"/>
-          <p:cNvSpPr>
-            <a:spLocks noGrp="1"/>
-          </p:cNvSpPr>
+      <p:pic>
+        <p:nvPicPr>
+          <p:cNvPr id="4" name="Marcador de contenido 3"/>
+          <p:cNvPicPr>
+            <a:picLocks noGrp="1" noChangeAspect="1"/>
+          </p:cNvPicPr>
           <p:nvPr>
             <p:ph idx="1"/>
           </p:nvPr>
-        </p:nvSpPr>
-        <p:spPr/>
-        <p:txBody>
-          <a:bodyPr/>
-          <a:lstStyle/>
-          <a:p>
-            <a:endParaRPr lang="es-MX" dirty="0"/>
-          </a:p>
-        </p:txBody>
-      </p:sp>
+        </p:nvPicPr>
+        <p:blipFill>
+          <a:blip r:embed="rId2">
+            <a:extLst>
+              <a:ext uri="{28A0092B-C50C-407E-A947-70E740481C1C}">
+                <a14:useLocalDpi xmlns:a14="http://schemas.microsoft.com/office/drawing/2010/main" val="0"/>
+              </a:ext>
+            </a:extLst>
+          </a:blip>
+          <a:stretch>
+            <a:fillRect/>
+          </a:stretch>
+        </p:blipFill>
+        <p:spPr>
+          <a:xfrm>
+            <a:off x="970288" y="1308055"/>
+            <a:ext cx="9218739" cy="5183010"/>
+          </a:xfrm>
+        </p:spPr>
+      </p:pic>
     </p:spTree>
     <p:extLst>
       <p:ext uri="{BB962C8B-B14F-4D97-AF65-F5344CB8AC3E}">
